--- a/material/new/Kubernetes-agenda.pptx
+++ b/material/new/Kubernetes-agenda.pptx
@@ -5,15 +5,16 @@
     <p:sldMasterId id="2147483648" r:id="rId1"/>
   </p:sldMasterIdLst>
   <p:notesMasterIdLst>
-    <p:notesMasterId r:id="rId8"/>
+    <p:notesMasterId r:id="rId9"/>
   </p:notesMasterIdLst>
   <p:sldIdLst>
-    <p:sldId id="309" r:id="rId2"/>
-    <p:sldId id="1203" r:id="rId3"/>
-    <p:sldId id="1090" r:id="rId4"/>
-    <p:sldId id="1270" r:id="rId5"/>
-    <p:sldId id="373" r:id="rId6"/>
-    <p:sldId id="353" r:id="rId7"/>
+    <p:sldId id="1271" r:id="rId2"/>
+    <p:sldId id="309" r:id="rId3"/>
+    <p:sldId id="1203" r:id="rId4"/>
+    <p:sldId id="1090" r:id="rId5"/>
+    <p:sldId id="1270" r:id="rId6"/>
+    <p:sldId id="373" r:id="rId7"/>
+    <p:sldId id="353" r:id="rId8"/>
   </p:sldIdLst>
   <p:sldSz cx="9144000" cy="6858000" type="screen4x3"/>
   <p:notesSz cx="6858000" cy="9144000"/>
@@ -3415,7 +3416,7 @@
           <p:cNvPr id="2" name="Title 1">
             <a:extLst>
               <a:ext uri="{FF2B5EF4-FFF2-40B4-BE49-F238E27FC236}">
-                <a16:creationId xmlns:a16="http://schemas.microsoft.com/office/drawing/2014/main" id="{578A718E-0E58-3642-B283-E5076A0E2F8E}"/>
+                <a16:creationId xmlns:a16="http://schemas.microsoft.com/office/drawing/2014/main" id="{7E8279F0-5C75-4F44-ADF9-7214EC88B133}"/>
               </a:ext>
             </a:extLst>
           </p:cNvPr>
@@ -3423,155 +3424,65 @@
             <a:spLocks noGrp="1"/>
           </p:cNvSpPr>
           <p:nvPr>
-            <p:ph type="title"/>
+            <p:ph type="ctrTitle"/>
           </p:nvPr>
         </p:nvSpPr>
         <p:spPr>
           <a:xfrm>
-            <a:off x="323528" y="476672"/>
-            <a:ext cx="8229600" cy="634082"/>
+            <a:off x="755576" y="620688"/>
+            <a:ext cx="7848872" cy="5112567"/>
           </a:xfrm>
         </p:spPr>
         <p:txBody>
           <a:bodyPr>
-            <a:noAutofit/>
+            <a:normAutofit/>
           </a:bodyPr>
           <a:lstStyle/>
           <a:p>
-            <a:pPr algn="l"/>
-            <a:r>
-              <a:rPr lang="en-US" sz="3200" b="1" dirty="0">
-                <a:solidFill>
-                  <a:schemeClr val="accent1"/>
-                </a:solidFill>
-                <a:latin typeface="Calibri" panose="020F0502020204030204" pitchFamily="34" charset="0"/>
-                <a:cs typeface="Calibri" panose="020F0502020204030204" pitchFamily="34" charset="0"/>
-              </a:rPr>
-              <a:t>TOC (1) Kubernetes Foundations</a:t>
-            </a:r>
-          </a:p>
-        </p:txBody>
-      </p:sp>
-      <p:sp>
-        <p:nvSpPr>
-          <p:cNvPr id="3" name="Content Placeholder 2">
-            <a:extLst>
-              <a:ext uri="{FF2B5EF4-FFF2-40B4-BE49-F238E27FC236}">
-                <a16:creationId xmlns:a16="http://schemas.microsoft.com/office/drawing/2014/main" id="{3D419C8C-61F3-4F4D-8220-5240AFDBFCEB}"/>
-              </a:ext>
-            </a:extLst>
-          </p:cNvPr>
-          <p:cNvSpPr>
-            <a:spLocks noGrp="1"/>
-          </p:cNvSpPr>
-          <p:nvPr>
-            <p:ph idx="1"/>
-          </p:nvPr>
-        </p:nvSpPr>
-        <p:spPr/>
-        <p:txBody>
-          <a:bodyPr>
-            <a:normAutofit fontScale="77500" lnSpcReduction="20000"/>
-          </a:bodyPr>
-          <a:lstStyle/>
-          <a:p>
-            <a:pPr>
-              <a:lnSpc>
-                <a:spcPct val="150000"/>
-              </a:lnSpc>
-            </a:pPr>
-            <a:r>
-              <a:rPr lang="en-US" dirty="0"/>
-              <a:t>Advantage of Containers</a:t>
-            </a:r>
-          </a:p>
-          <a:p>
-            <a:pPr>
-              <a:lnSpc>
-                <a:spcPct val="150000"/>
-              </a:lnSpc>
-            </a:pPr>
-            <a:r>
-              <a:rPr lang="en-US" dirty="0"/>
-              <a:t>Need of an Orchestration Tool</a:t>
-            </a:r>
-          </a:p>
-          <a:p>
-            <a:pPr>
-              <a:lnSpc>
-                <a:spcPct val="150000"/>
-              </a:lnSpc>
-            </a:pPr>
-            <a:r>
-              <a:rPr lang="en-US" dirty="0"/>
-              <a:t>Introduction to Microservices</a:t>
-            </a:r>
-          </a:p>
-          <a:p>
-            <a:pPr>
-              <a:lnSpc>
-                <a:spcPct val="150000"/>
-              </a:lnSpc>
-            </a:pPr>
-            <a:r>
-              <a:rPr lang="en-US" b="1" dirty="0"/>
-              <a:t>Microservices</a:t>
-            </a:r>
-            <a:r>
-              <a:rPr lang="en-US" dirty="0"/>
-              <a:t> Patterns</a:t>
-            </a:r>
-          </a:p>
-          <a:p>
-            <a:pPr lvl="1">
-              <a:lnSpc>
-                <a:spcPct val="150000"/>
-              </a:lnSpc>
-            </a:pPr>
-            <a:r>
-              <a:rPr lang="en-US" dirty="0"/>
-              <a:t>Data management</a:t>
-            </a:r>
-          </a:p>
-          <a:p>
-            <a:pPr lvl="1">
-              <a:lnSpc>
-                <a:spcPct val="150000"/>
-              </a:lnSpc>
-            </a:pPr>
-            <a:r>
-              <a:rPr lang="en-US" dirty="0"/>
-              <a:t>Communication</a:t>
-            </a:r>
-          </a:p>
-          <a:p>
-            <a:pPr lvl="1">
-              <a:lnSpc>
-                <a:spcPct val="150000"/>
-              </a:lnSpc>
-            </a:pPr>
-            <a:r>
-              <a:rPr lang="en-US" dirty="0"/>
-              <a:t>Deployment</a:t>
-            </a:r>
-          </a:p>
-          <a:p>
-            <a:pPr lvl="1">
-              <a:lnSpc>
-                <a:spcPct val="150000"/>
-              </a:lnSpc>
-            </a:pPr>
-            <a:r>
-              <a:rPr lang="en-US" dirty="0"/>
-              <a:t>Reliability</a:t>
-            </a:r>
+            <a:pPr marL="457200" indent="-457200" algn="l">
+              <a:buFont typeface="Arial" panose="020B0604020202020204" pitchFamily="34" charset="0"/>
+              <a:buChar char="•"/>
+            </a:pPr>
+            <a:r>
+              <a:rPr lang="en-US" sz="3200" dirty="0"/>
+              <a:t>Best Practices</a:t>
+            </a:r>
+            <a:br>
+              <a:rPr lang="en-US" sz="3200" dirty="0"/>
+            </a:br>
+            <a:r>
+              <a:rPr lang="en-US" sz="3200" dirty="0"/>
+              <a:t>Performance Management</a:t>
+            </a:r>
+            <a:br>
+              <a:rPr lang="en-US" sz="3200" dirty="0"/>
+            </a:br>
+            <a:r>
+              <a:rPr lang="en-US" sz="3200" dirty="0"/>
+              <a:t>High I/O service deployment</a:t>
+            </a:r>
+            <a:br>
+              <a:rPr lang="en-US" sz="3200"/>
+            </a:br>
+            <a:r>
+              <a:rPr lang="en-US" sz="3200"/>
+              <a:t>OpenShift </a:t>
+            </a:r>
+            <a:r>
+              <a:rPr lang="en-US" sz="3200" dirty="0"/>
+              <a:t>config change for the above</a:t>
+            </a:r>
+            <a:br>
+              <a:rPr lang="en-US" sz="3200" dirty="0"/>
+            </a:br>
+            <a:endParaRPr lang="en-US" sz="3200" dirty="0"/>
           </a:p>
         </p:txBody>
       </p:sp>
     </p:spTree>
     <p:extLst>
       <p:ext uri="{BB962C8B-B14F-4D97-AF65-F5344CB8AC3E}">
-        <p14:creationId xmlns:p14="http://schemas.microsoft.com/office/powerpoint/2010/main" val="1671537535"/>
+        <p14:creationId xmlns:p14="http://schemas.microsoft.com/office/powerpoint/2010/main" val="1927351859"/>
       </p:ext>
     </p:extLst>
   </p:cSld>
@@ -3600,6 +3511,194 @@
       </p:grpSpPr>
       <p:sp>
         <p:nvSpPr>
+          <p:cNvPr id="2" name="Title 1">
+            <a:extLst>
+              <a:ext uri="{FF2B5EF4-FFF2-40B4-BE49-F238E27FC236}">
+                <a16:creationId xmlns:a16="http://schemas.microsoft.com/office/drawing/2014/main" id="{578A718E-0E58-3642-B283-E5076A0E2F8E}"/>
+              </a:ext>
+            </a:extLst>
+          </p:cNvPr>
+          <p:cNvSpPr>
+            <a:spLocks noGrp="1"/>
+          </p:cNvSpPr>
+          <p:nvPr>
+            <p:ph type="title"/>
+          </p:nvPr>
+        </p:nvSpPr>
+        <p:spPr>
+          <a:xfrm>
+            <a:off x="323528" y="476672"/>
+            <a:ext cx="8229600" cy="634082"/>
+          </a:xfrm>
+        </p:spPr>
+        <p:txBody>
+          <a:bodyPr>
+            <a:noAutofit/>
+          </a:bodyPr>
+          <a:lstStyle/>
+          <a:p>
+            <a:pPr algn="l"/>
+            <a:r>
+              <a:rPr lang="en-US" sz="3200" b="1" dirty="0">
+                <a:solidFill>
+                  <a:schemeClr val="accent1"/>
+                </a:solidFill>
+                <a:latin typeface="Calibri" panose="020F0502020204030204" pitchFamily="34" charset="0"/>
+                <a:cs typeface="Calibri" panose="020F0502020204030204" pitchFamily="34" charset="0"/>
+              </a:rPr>
+              <a:t>TOC (1) Kubernetes Foundations</a:t>
+            </a:r>
+          </a:p>
+        </p:txBody>
+      </p:sp>
+      <p:sp>
+        <p:nvSpPr>
+          <p:cNvPr id="3" name="Content Placeholder 2">
+            <a:extLst>
+              <a:ext uri="{FF2B5EF4-FFF2-40B4-BE49-F238E27FC236}">
+                <a16:creationId xmlns:a16="http://schemas.microsoft.com/office/drawing/2014/main" id="{3D419C8C-61F3-4F4D-8220-5240AFDBFCEB}"/>
+              </a:ext>
+            </a:extLst>
+          </p:cNvPr>
+          <p:cNvSpPr>
+            <a:spLocks noGrp="1"/>
+          </p:cNvSpPr>
+          <p:nvPr>
+            <p:ph idx="1"/>
+          </p:nvPr>
+        </p:nvSpPr>
+        <p:spPr/>
+        <p:txBody>
+          <a:bodyPr>
+            <a:normAutofit fontScale="77500" lnSpcReduction="20000"/>
+          </a:bodyPr>
+          <a:lstStyle/>
+          <a:p>
+            <a:pPr>
+              <a:lnSpc>
+                <a:spcPct val="150000"/>
+              </a:lnSpc>
+            </a:pPr>
+            <a:r>
+              <a:rPr lang="en-US" dirty="0"/>
+              <a:t>Advantage of Containers</a:t>
+            </a:r>
+          </a:p>
+          <a:p>
+            <a:pPr>
+              <a:lnSpc>
+                <a:spcPct val="150000"/>
+              </a:lnSpc>
+            </a:pPr>
+            <a:r>
+              <a:rPr lang="en-US" dirty="0"/>
+              <a:t>Need of an Orchestration Tool</a:t>
+            </a:r>
+          </a:p>
+          <a:p>
+            <a:pPr>
+              <a:lnSpc>
+                <a:spcPct val="150000"/>
+              </a:lnSpc>
+            </a:pPr>
+            <a:r>
+              <a:rPr lang="en-US" dirty="0"/>
+              <a:t>Introduction to Microservices</a:t>
+            </a:r>
+          </a:p>
+          <a:p>
+            <a:pPr>
+              <a:lnSpc>
+                <a:spcPct val="150000"/>
+              </a:lnSpc>
+            </a:pPr>
+            <a:r>
+              <a:rPr lang="en-US" b="1" dirty="0"/>
+              <a:t>Microservices</a:t>
+            </a:r>
+            <a:r>
+              <a:rPr lang="en-US" dirty="0"/>
+              <a:t> Patterns</a:t>
+            </a:r>
+          </a:p>
+          <a:p>
+            <a:pPr lvl="1">
+              <a:lnSpc>
+                <a:spcPct val="150000"/>
+              </a:lnSpc>
+            </a:pPr>
+            <a:r>
+              <a:rPr lang="en-US" dirty="0"/>
+              <a:t>Data management</a:t>
+            </a:r>
+          </a:p>
+          <a:p>
+            <a:pPr lvl="1">
+              <a:lnSpc>
+                <a:spcPct val="150000"/>
+              </a:lnSpc>
+            </a:pPr>
+            <a:r>
+              <a:rPr lang="en-US" dirty="0"/>
+              <a:t>Communication</a:t>
+            </a:r>
+          </a:p>
+          <a:p>
+            <a:pPr lvl="1">
+              <a:lnSpc>
+                <a:spcPct val="150000"/>
+              </a:lnSpc>
+            </a:pPr>
+            <a:r>
+              <a:rPr lang="en-US" dirty="0"/>
+              <a:t>Deployment</a:t>
+            </a:r>
+          </a:p>
+          <a:p>
+            <a:pPr lvl="1">
+              <a:lnSpc>
+                <a:spcPct val="150000"/>
+              </a:lnSpc>
+            </a:pPr>
+            <a:r>
+              <a:rPr lang="en-US" dirty="0"/>
+              <a:t>Reliability</a:t>
+            </a:r>
+          </a:p>
+        </p:txBody>
+      </p:sp>
+    </p:spTree>
+    <p:extLst>
+      <p:ext uri="{BB962C8B-B14F-4D97-AF65-F5344CB8AC3E}">
+        <p14:creationId xmlns:p14="http://schemas.microsoft.com/office/powerpoint/2010/main" val="1671537535"/>
+      </p:ext>
+    </p:extLst>
+  </p:cSld>
+  <p:clrMapOvr>
+    <a:masterClrMapping/>
+  </p:clrMapOvr>
+</p:sld>
+</file>
+
+<file path=ppt/slides/slide3.xml><?xml version="1.0" encoding="utf-8"?>
+<p:sld xmlns:a="http://schemas.openxmlformats.org/drawingml/2006/main" xmlns:r="http://schemas.openxmlformats.org/officeDocument/2006/relationships" xmlns:p="http://schemas.openxmlformats.org/presentationml/2006/main">
+  <p:cSld>
+    <p:spTree>
+      <p:nvGrpSpPr>
+        <p:cNvPr id="1" name=""/>
+        <p:cNvGrpSpPr/>
+        <p:nvPr/>
+      </p:nvGrpSpPr>
+      <p:grpSpPr>
+        <a:xfrm>
+          <a:off x="0" y="0"/>
+          <a:ext cx="0" cy="0"/>
+          <a:chOff x="0" y="0"/>
+          <a:chExt cx="0" cy="0"/>
+        </a:xfrm>
+      </p:grpSpPr>
+      <p:sp>
+        <p:nvSpPr>
           <p:cNvPr id="3" name="Content Placeholder 2">
             <a:extLst>
               <a:ext uri="{FF2B5EF4-FFF2-40B4-BE49-F238E27FC236}">
@@ -3767,7 +3866,7 @@
 </p:sld>
 </file>
 
-<file path=ppt/slides/slide3.xml><?xml version="1.0" encoding="utf-8"?>
+<file path=ppt/slides/slide4.xml><?xml version="1.0" encoding="utf-8"?>
 <p:sld xmlns:a="http://schemas.openxmlformats.org/drawingml/2006/main" xmlns:r="http://schemas.openxmlformats.org/officeDocument/2006/relationships" xmlns:p="http://schemas.openxmlformats.org/presentationml/2006/main">
   <p:cSld>
     <p:spTree>
@@ -4110,7 +4209,7 @@
             <a:fld id="{704198DC-2EF7-4B34-A789-AD3A4CDEBD28}" type="slidenum">
               <a:rPr lang="en-US"/>
               <a:pPr/>
-              <a:t>3</a:t>
+              <a:t>4</a:t>
             </a:fld>
             <a:endParaRPr lang="en-US" dirty="0"/>
           </a:p>
@@ -4410,229 +4509,6 @@
     <p:extLst>
       <p:ext uri="{BB962C8B-B14F-4D97-AF65-F5344CB8AC3E}">
         <p14:creationId xmlns:p14="http://schemas.microsoft.com/office/powerpoint/2010/main" val="1569021183"/>
-      </p:ext>
-    </p:extLst>
-  </p:cSld>
-  <p:clrMapOvr>
-    <a:masterClrMapping/>
-  </p:clrMapOvr>
-</p:sld>
-</file>
-
-<file path=ppt/slides/slide4.xml><?xml version="1.0" encoding="utf-8"?>
-<p:sld xmlns:a="http://schemas.openxmlformats.org/drawingml/2006/main" xmlns:r="http://schemas.openxmlformats.org/officeDocument/2006/relationships" xmlns:p="http://schemas.openxmlformats.org/presentationml/2006/main">
-  <p:cSld>
-    <p:spTree>
-      <p:nvGrpSpPr>
-        <p:cNvPr id="1" name=""/>
-        <p:cNvGrpSpPr/>
-        <p:nvPr/>
-      </p:nvGrpSpPr>
-      <p:grpSpPr>
-        <a:xfrm>
-          <a:off x="0" y="0"/>
-          <a:ext cx="0" cy="0"/>
-          <a:chOff x="0" y="0"/>
-          <a:chExt cx="0" cy="0"/>
-        </a:xfrm>
-      </p:grpSpPr>
-      <p:sp>
-        <p:nvSpPr>
-          <p:cNvPr id="3" name="Content Placeholder 2">
-            <a:extLst>
-              <a:ext uri="{FF2B5EF4-FFF2-40B4-BE49-F238E27FC236}">
-                <a16:creationId xmlns:a16="http://schemas.microsoft.com/office/drawing/2014/main" id="{8899F8AA-8AC5-E142-9343-D04BAA3A07CA}"/>
-              </a:ext>
-            </a:extLst>
-          </p:cNvPr>
-          <p:cNvSpPr>
-            <a:spLocks noGrp="1"/>
-          </p:cNvSpPr>
-          <p:nvPr>
-            <p:ph idx="1"/>
-          </p:nvPr>
-        </p:nvSpPr>
-        <p:spPr>
-          <a:xfrm>
-            <a:off x="467544" y="1110754"/>
-            <a:ext cx="8424935" cy="5270574"/>
-          </a:xfrm>
-        </p:spPr>
-        <p:txBody>
-          <a:bodyPr>
-            <a:normAutofit fontScale="70000" lnSpcReduction="20000"/>
-          </a:bodyPr>
-          <a:lstStyle/>
-          <a:p>
-            <a:pPr>
-              <a:lnSpc>
-                <a:spcPct val="160000"/>
-              </a:lnSpc>
-            </a:pPr>
-            <a:r>
-              <a:rPr lang="en-US" dirty="0"/>
-              <a:t>Benefits and features of OpenShift</a:t>
-            </a:r>
-          </a:p>
-          <a:p>
-            <a:pPr>
-              <a:lnSpc>
-                <a:spcPct val="160000"/>
-              </a:lnSpc>
-            </a:pPr>
-            <a:r>
-              <a:rPr lang="en-US" dirty="0"/>
-              <a:t>Interaction using Web, CLI, Rest</a:t>
-            </a:r>
-          </a:p>
-          <a:p>
-            <a:pPr>
-              <a:lnSpc>
-                <a:spcPct val="160000"/>
-              </a:lnSpc>
-            </a:pPr>
-            <a:r>
-              <a:rPr lang="en-US" dirty="0"/>
-              <a:t>Additional concepts</a:t>
-            </a:r>
-          </a:p>
-          <a:p>
-            <a:pPr lvl="1">
-              <a:lnSpc>
-                <a:spcPct val="160000"/>
-              </a:lnSpc>
-            </a:pPr>
-            <a:r>
-              <a:rPr lang="en-US" dirty="0"/>
-              <a:t>Project, Application</a:t>
-            </a:r>
-          </a:p>
-          <a:p>
-            <a:pPr lvl="1">
-              <a:lnSpc>
-                <a:spcPct val="160000"/>
-              </a:lnSpc>
-            </a:pPr>
-            <a:r>
-              <a:rPr lang="en-US" dirty="0" err="1"/>
-              <a:t>BuildConfig</a:t>
-            </a:r>
-            <a:r>
-              <a:rPr lang="en-US" dirty="0"/>
-              <a:t>, </a:t>
-            </a:r>
-            <a:r>
-              <a:rPr lang="en-US" dirty="0" err="1"/>
-              <a:t>ImageStream</a:t>
-            </a:r>
-            <a:r>
-              <a:rPr lang="en-US" dirty="0"/>
-              <a:t>, Source to Image</a:t>
-            </a:r>
-          </a:p>
-          <a:p>
-            <a:pPr lvl="1">
-              <a:lnSpc>
-                <a:spcPct val="160000"/>
-              </a:lnSpc>
-            </a:pPr>
-            <a:r>
-              <a:rPr lang="en-US" dirty="0"/>
-              <a:t>Routes</a:t>
-            </a:r>
-          </a:p>
-          <a:p>
-            <a:pPr lvl="1">
-              <a:lnSpc>
-                <a:spcPct val="160000"/>
-              </a:lnSpc>
-            </a:pPr>
-            <a:r>
-              <a:rPr lang="en-US" dirty="0"/>
-              <a:t>Triggers</a:t>
-            </a:r>
-          </a:p>
-          <a:p>
-            <a:pPr>
-              <a:lnSpc>
-                <a:spcPct val="160000"/>
-              </a:lnSpc>
-            </a:pPr>
-            <a:r>
-              <a:rPr lang="en-US" dirty="0"/>
-              <a:t>Deploy application using image and source to image</a:t>
-            </a:r>
-          </a:p>
-          <a:p>
-            <a:pPr>
-              <a:lnSpc>
-                <a:spcPct val="160000"/>
-              </a:lnSpc>
-            </a:pPr>
-            <a:r>
-              <a:rPr lang="en-US" dirty="0"/>
-              <a:t>Application templates</a:t>
-            </a:r>
-          </a:p>
-          <a:p>
-            <a:pPr>
-              <a:lnSpc>
-                <a:spcPct val="160000"/>
-              </a:lnSpc>
-            </a:pPr>
-            <a:r>
-              <a:rPr lang="en-US" dirty="0"/>
-              <a:t>Deploy application using webhooks</a:t>
-            </a:r>
-          </a:p>
-        </p:txBody>
-      </p:sp>
-      <p:sp>
-        <p:nvSpPr>
-          <p:cNvPr id="6" name="Title 1">
-            <a:extLst>
-              <a:ext uri="{FF2B5EF4-FFF2-40B4-BE49-F238E27FC236}">
-                <a16:creationId xmlns:a16="http://schemas.microsoft.com/office/drawing/2014/main" id="{283E7389-6F5B-9340-87DD-461783082F3F}"/>
-              </a:ext>
-            </a:extLst>
-          </p:cNvPr>
-          <p:cNvSpPr>
-            <a:spLocks noGrp="1"/>
-          </p:cNvSpPr>
-          <p:nvPr>
-            <p:ph type="title"/>
-          </p:nvPr>
-        </p:nvSpPr>
-        <p:spPr>
-          <a:xfrm>
-            <a:off x="323528" y="476672"/>
-            <a:ext cx="8229600" cy="634082"/>
-          </a:xfrm>
-        </p:spPr>
-        <p:txBody>
-          <a:bodyPr>
-            <a:noAutofit/>
-          </a:bodyPr>
-          <a:lstStyle/>
-          <a:p>
-            <a:pPr algn="l"/>
-            <a:r>
-              <a:rPr lang="en-US" sz="3200" b="1" dirty="0">
-                <a:solidFill>
-                  <a:schemeClr val="accent1"/>
-                </a:solidFill>
-                <a:latin typeface="Calibri" panose="020F0502020204030204" pitchFamily="34" charset="0"/>
-                <a:cs typeface="Calibri" panose="020F0502020204030204" pitchFamily="34" charset="0"/>
-              </a:rPr>
-              <a:t>TOC  (4) OpenShift</a:t>
-            </a:r>
-          </a:p>
-        </p:txBody>
-      </p:sp>
-    </p:spTree>
-    <p:extLst>
-      <p:ext uri="{BB962C8B-B14F-4D97-AF65-F5344CB8AC3E}">
-        <p14:creationId xmlns:p14="http://schemas.microsoft.com/office/powerpoint/2010/main" val="1483682868"/>
       </p:ext>
     </p:extLst>
   </p:cSld>
@@ -4664,6 +4540,229 @@
           <p:cNvPr id="3" name="Content Placeholder 2">
             <a:extLst>
               <a:ext uri="{FF2B5EF4-FFF2-40B4-BE49-F238E27FC236}">
+                <a16:creationId xmlns:a16="http://schemas.microsoft.com/office/drawing/2014/main" id="{8899F8AA-8AC5-E142-9343-D04BAA3A07CA}"/>
+              </a:ext>
+            </a:extLst>
+          </p:cNvPr>
+          <p:cNvSpPr>
+            <a:spLocks noGrp="1"/>
+          </p:cNvSpPr>
+          <p:nvPr>
+            <p:ph idx="1"/>
+          </p:nvPr>
+        </p:nvSpPr>
+        <p:spPr>
+          <a:xfrm>
+            <a:off x="467544" y="1110754"/>
+            <a:ext cx="8424935" cy="5270574"/>
+          </a:xfrm>
+        </p:spPr>
+        <p:txBody>
+          <a:bodyPr>
+            <a:normAutofit fontScale="70000" lnSpcReduction="20000"/>
+          </a:bodyPr>
+          <a:lstStyle/>
+          <a:p>
+            <a:pPr>
+              <a:lnSpc>
+                <a:spcPct val="160000"/>
+              </a:lnSpc>
+            </a:pPr>
+            <a:r>
+              <a:rPr lang="en-US" dirty="0"/>
+              <a:t>Benefits and features of OpenShift</a:t>
+            </a:r>
+          </a:p>
+          <a:p>
+            <a:pPr>
+              <a:lnSpc>
+                <a:spcPct val="160000"/>
+              </a:lnSpc>
+            </a:pPr>
+            <a:r>
+              <a:rPr lang="en-US" dirty="0"/>
+              <a:t>Interaction using Web, CLI, Rest</a:t>
+            </a:r>
+          </a:p>
+          <a:p>
+            <a:pPr>
+              <a:lnSpc>
+                <a:spcPct val="160000"/>
+              </a:lnSpc>
+            </a:pPr>
+            <a:r>
+              <a:rPr lang="en-US" dirty="0"/>
+              <a:t>Additional concepts</a:t>
+            </a:r>
+          </a:p>
+          <a:p>
+            <a:pPr lvl="1">
+              <a:lnSpc>
+                <a:spcPct val="160000"/>
+              </a:lnSpc>
+            </a:pPr>
+            <a:r>
+              <a:rPr lang="en-US" dirty="0"/>
+              <a:t>Project, Application</a:t>
+            </a:r>
+          </a:p>
+          <a:p>
+            <a:pPr lvl="1">
+              <a:lnSpc>
+                <a:spcPct val="160000"/>
+              </a:lnSpc>
+            </a:pPr>
+            <a:r>
+              <a:rPr lang="en-US" dirty="0" err="1"/>
+              <a:t>BuildConfig</a:t>
+            </a:r>
+            <a:r>
+              <a:rPr lang="en-US" dirty="0"/>
+              <a:t>, </a:t>
+            </a:r>
+            <a:r>
+              <a:rPr lang="en-US" dirty="0" err="1"/>
+              <a:t>ImageStream</a:t>
+            </a:r>
+            <a:r>
+              <a:rPr lang="en-US" dirty="0"/>
+              <a:t>, Source to Image</a:t>
+            </a:r>
+          </a:p>
+          <a:p>
+            <a:pPr lvl="1">
+              <a:lnSpc>
+                <a:spcPct val="160000"/>
+              </a:lnSpc>
+            </a:pPr>
+            <a:r>
+              <a:rPr lang="en-US" dirty="0"/>
+              <a:t>Routes</a:t>
+            </a:r>
+          </a:p>
+          <a:p>
+            <a:pPr lvl="1">
+              <a:lnSpc>
+                <a:spcPct val="160000"/>
+              </a:lnSpc>
+            </a:pPr>
+            <a:r>
+              <a:rPr lang="en-US" dirty="0"/>
+              <a:t>Triggers</a:t>
+            </a:r>
+          </a:p>
+          <a:p>
+            <a:pPr>
+              <a:lnSpc>
+                <a:spcPct val="160000"/>
+              </a:lnSpc>
+            </a:pPr>
+            <a:r>
+              <a:rPr lang="en-US" dirty="0"/>
+              <a:t>Deploy application using image and source to image</a:t>
+            </a:r>
+          </a:p>
+          <a:p>
+            <a:pPr>
+              <a:lnSpc>
+                <a:spcPct val="160000"/>
+              </a:lnSpc>
+            </a:pPr>
+            <a:r>
+              <a:rPr lang="en-US" dirty="0"/>
+              <a:t>Application templates</a:t>
+            </a:r>
+          </a:p>
+          <a:p>
+            <a:pPr>
+              <a:lnSpc>
+                <a:spcPct val="160000"/>
+              </a:lnSpc>
+            </a:pPr>
+            <a:r>
+              <a:rPr lang="en-US" dirty="0"/>
+              <a:t>Deploy application using webhooks</a:t>
+            </a:r>
+          </a:p>
+        </p:txBody>
+      </p:sp>
+      <p:sp>
+        <p:nvSpPr>
+          <p:cNvPr id="6" name="Title 1">
+            <a:extLst>
+              <a:ext uri="{FF2B5EF4-FFF2-40B4-BE49-F238E27FC236}">
+                <a16:creationId xmlns:a16="http://schemas.microsoft.com/office/drawing/2014/main" id="{283E7389-6F5B-9340-87DD-461783082F3F}"/>
+              </a:ext>
+            </a:extLst>
+          </p:cNvPr>
+          <p:cNvSpPr>
+            <a:spLocks noGrp="1"/>
+          </p:cNvSpPr>
+          <p:nvPr>
+            <p:ph type="title"/>
+          </p:nvPr>
+        </p:nvSpPr>
+        <p:spPr>
+          <a:xfrm>
+            <a:off x="323528" y="476672"/>
+            <a:ext cx="8229600" cy="634082"/>
+          </a:xfrm>
+        </p:spPr>
+        <p:txBody>
+          <a:bodyPr>
+            <a:noAutofit/>
+          </a:bodyPr>
+          <a:lstStyle/>
+          <a:p>
+            <a:pPr algn="l"/>
+            <a:r>
+              <a:rPr lang="en-US" sz="3200" b="1" dirty="0">
+                <a:solidFill>
+                  <a:schemeClr val="accent1"/>
+                </a:solidFill>
+                <a:latin typeface="Calibri" panose="020F0502020204030204" pitchFamily="34" charset="0"/>
+                <a:cs typeface="Calibri" panose="020F0502020204030204" pitchFamily="34" charset="0"/>
+              </a:rPr>
+              <a:t>TOC  (4) OpenShift</a:t>
+            </a:r>
+          </a:p>
+        </p:txBody>
+      </p:sp>
+    </p:spTree>
+    <p:extLst>
+      <p:ext uri="{BB962C8B-B14F-4D97-AF65-F5344CB8AC3E}">
+        <p14:creationId xmlns:p14="http://schemas.microsoft.com/office/powerpoint/2010/main" val="1483682868"/>
+      </p:ext>
+    </p:extLst>
+  </p:cSld>
+  <p:clrMapOvr>
+    <a:masterClrMapping/>
+  </p:clrMapOvr>
+</p:sld>
+</file>
+
+<file path=ppt/slides/slide6.xml><?xml version="1.0" encoding="utf-8"?>
+<p:sld xmlns:a="http://schemas.openxmlformats.org/drawingml/2006/main" xmlns:r="http://schemas.openxmlformats.org/officeDocument/2006/relationships" xmlns:p="http://schemas.openxmlformats.org/presentationml/2006/main">
+  <p:cSld>
+    <p:spTree>
+      <p:nvGrpSpPr>
+        <p:cNvPr id="1" name=""/>
+        <p:cNvGrpSpPr/>
+        <p:nvPr/>
+      </p:nvGrpSpPr>
+      <p:grpSpPr>
+        <a:xfrm>
+          <a:off x="0" y="0"/>
+          <a:ext cx="0" cy="0"/>
+          <a:chOff x="0" y="0"/>
+          <a:chExt cx="0" cy="0"/>
+        </a:xfrm>
+      </p:grpSpPr>
+      <p:sp>
+        <p:nvSpPr>
+          <p:cNvPr id="3" name="Content Placeholder 2">
+            <a:extLst>
+              <a:ext uri="{FF2B5EF4-FFF2-40B4-BE49-F238E27FC236}">
                 <a16:creationId xmlns:a16="http://schemas.microsoft.com/office/drawing/2014/main" id="{3BC58E77-E71C-ED4F-9AC3-C4DDA168D66B}"/>
               </a:ext>
             </a:extLst>
@@ -4835,7 +4934,7 @@
 </p:sld>
 </file>
 
-<file path=ppt/slides/slide6.xml><?xml version="1.0" encoding="utf-8"?>
+<file path=ppt/slides/slide7.xml><?xml version="1.0" encoding="utf-8"?>
 <p:sld xmlns:a="http://schemas.openxmlformats.org/drawingml/2006/main" xmlns:r="http://schemas.openxmlformats.org/officeDocument/2006/relationships" xmlns:p="http://schemas.openxmlformats.org/presentationml/2006/main">
   <p:cSld>
     <p:spTree>
